--- a/assets/misc/flutter.pptx
+++ b/assets/misc/flutter.pptx
@@ -5,14 +5,22 @@
     <p:sldMasterId id="2147483648" r:id="rId1"/>
   </p:sldMasterIdLst>
   <p:notesMasterIdLst>
-    <p:notesMasterId r:id="rId6"/>
+    <p:notesMasterId r:id="rId7"/>
   </p:notesMasterIdLst>
   <p:sldIdLst>
     <p:sldId id="256" r:id="rId3"/>
     <p:sldId id="258" r:id="rId4"/>
-    <p:sldId id="259" r:id="rId5"/>
-    <p:sldId id="261" r:id="rId7"/>
-    <p:sldId id="260" r:id="rId8"/>
+    <p:sldId id="264" r:id="rId5"/>
+    <p:sldId id="259" r:id="rId6"/>
+    <p:sldId id="269" r:id="rId8"/>
+    <p:sldId id="270" r:id="rId9"/>
+    <p:sldId id="271" r:id="rId10"/>
+    <p:sldId id="263" r:id="rId11"/>
+    <p:sldId id="265" r:id="rId12"/>
+    <p:sldId id="268" r:id="rId13"/>
+    <p:sldId id="261" r:id="rId14"/>
+    <p:sldId id="266" r:id="rId15"/>
+    <p:sldId id="267" r:id="rId16"/>
   </p:sldIdLst>
   <p:sldSz cx="12192000" cy="6858000"/>
   <p:notesSz cx="7103745" cy="10234295"/>
@@ -3130,6 +3138,323 @@
 </p:sld>
 </file>
 
+<file path=ppt/slides/slide10.xml><?xml version="1.0" encoding="utf-8"?>
+<p:sld xmlns:a="http://schemas.openxmlformats.org/drawingml/2006/main" xmlns:r="http://schemas.openxmlformats.org/officeDocument/2006/relationships" xmlns:p="http://schemas.openxmlformats.org/presentationml/2006/main">
+  <p:cSld>
+    <p:spTree>
+      <p:nvGrpSpPr>
+        <p:cNvPr id="1" name=""/>
+        <p:cNvGrpSpPr/>
+        <p:nvPr/>
+      </p:nvGrpSpPr>
+      <p:grpSpPr/>
+      <p:sp>
+        <p:nvSpPr>
+          <p:cNvPr id="2" name="标题 1"/>
+          <p:cNvSpPr>
+            <a:spLocks noGrp="1"/>
+          </p:cNvSpPr>
+          <p:nvPr>
+            <p:ph type="title"/>
+          </p:nvPr>
+        </p:nvSpPr>
+        <p:spPr/>
+        <p:txBody>
+          <a:bodyPr/>
+          <a:p>
+            <a:r>
+              <a:rPr lang="en-US" altLang="zh-CN"/>
+              <a:t>UI-Widget</a:t>
+            </a:r>
+            <a:endParaRPr lang="en-US" altLang="zh-CN"/>
+          </a:p>
+        </p:txBody>
+      </p:sp>
+      <p:sp>
+        <p:nvSpPr>
+          <p:cNvPr id="3" name="内容占位符 2"/>
+          <p:cNvSpPr>
+            <a:spLocks noGrp="1"/>
+          </p:cNvSpPr>
+          <p:nvPr>
+            <p:ph idx="1"/>
+          </p:nvPr>
+        </p:nvSpPr>
+        <p:spPr/>
+        <p:txBody>
+          <a:bodyPr/>
+          <a:p>
+            <a:r>
+              <a:rPr lang="en-US" altLang="zh-CN"/>
+              <a:t>Material or Cupertino</a:t>
+            </a:r>
+            <a:endParaRPr lang="en-US" altLang="zh-CN"/>
+          </a:p>
+          <a:p>
+            <a:r>
+              <a:rPr lang="en-US" altLang="zh-CN"/>
+              <a:t>- cupertinoDockWidget</a:t>
+            </a:r>
+            <a:endParaRPr lang="en-US" altLang="zh-CN"/>
+          </a:p>
+          <a:p>
+            <a:r>
+              <a:rPr lang="en-US" altLang="zh-CN"/>
+              <a:t>- </a:t>
+            </a:r>
+            <a:endParaRPr lang="en-US" altLang="zh-CN"/>
+          </a:p>
+          <a:p>
+            <a:r>
+              <a:rPr lang="en-US" altLang="zh-CN"/>
+              <a:t>Stateless or Stateful</a:t>
+            </a:r>
+            <a:endParaRPr lang="en-US" altLang="zh-CN"/>
+          </a:p>
+          <a:p>
+            <a:r>
+              <a:rPr lang="en-US" altLang="zh-CN"/>
+              <a:t>FutureBuilder</a:t>
+            </a:r>
+            <a:endParaRPr lang="en-US" altLang="zh-CN"/>
+          </a:p>
+          <a:p>
+            <a:r>
+              <a:rPr lang="en-US" altLang="zh-CN"/>
+              <a:t>- await new Future.delayed(Duration(seconds: 5));</a:t>
+            </a:r>
+            <a:endParaRPr lang="en-US" altLang="zh-CN"/>
+          </a:p>
+          <a:p>
+            <a:endParaRPr lang="en-US" altLang="zh-CN"/>
+          </a:p>
+        </p:txBody>
+      </p:sp>
+    </p:spTree>
+  </p:cSld>
+  <p:clrMapOvr>
+    <a:masterClrMapping/>
+  </p:clrMapOvr>
+</p:sld>
+</file>
+
+<file path=ppt/slides/slide11.xml><?xml version="1.0" encoding="utf-8"?>
+<p:sld xmlns:a="http://schemas.openxmlformats.org/drawingml/2006/main" xmlns:r="http://schemas.openxmlformats.org/officeDocument/2006/relationships" xmlns:p="http://schemas.openxmlformats.org/presentationml/2006/main">
+  <p:cSld>
+    <p:spTree>
+      <p:nvGrpSpPr>
+        <p:cNvPr id="1" name=""/>
+        <p:cNvGrpSpPr/>
+        <p:nvPr/>
+      </p:nvGrpSpPr>
+      <p:grpSpPr/>
+      <p:sp>
+        <p:nvSpPr>
+          <p:cNvPr id="2" name="标题 1"/>
+          <p:cNvSpPr>
+            <a:spLocks noGrp="1"/>
+          </p:cNvSpPr>
+          <p:nvPr>
+            <p:ph type="title"/>
+          </p:nvPr>
+        </p:nvSpPr>
+        <p:spPr/>
+        <p:txBody>
+          <a:bodyPr/>
+          <a:p>
+            <a:r>
+              <a:rPr lang="zh-CN" altLang="en-US"/>
+              <a:t>拓展</a:t>
+            </a:r>
+            <a:endParaRPr lang="zh-CN" altLang="en-US"/>
+          </a:p>
+        </p:txBody>
+      </p:sp>
+      <p:sp>
+        <p:nvSpPr>
+          <p:cNvPr id="3" name="内容占位符 2"/>
+          <p:cNvSpPr>
+            <a:spLocks noGrp="1"/>
+          </p:cNvSpPr>
+          <p:nvPr>
+            <p:ph idx="1"/>
+          </p:nvPr>
+        </p:nvSpPr>
+        <p:spPr/>
+        <p:txBody>
+          <a:bodyPr/>
+          <a:p>
+            <a:r>
+              <a:rPr lang="zh-CN" altLang="en-US"/>
+              <a:t>混合开发</a:t>
+            </a:r>
+            <a:endParaRPr lang="zh-CN" altLang="en-US"/>
+          </a:p>
+          <a:p>
+            <a:r>
+              <a:rPr lang="en-US" altLang="zh-CN"/>
+              <a:t>- </a:t>
+            </a:r>
+            <a:r>
+              <a:rPr lang="en-US" altLang="zh-CN">
+                <a:sym typeface="+mn-ea"/>
+              </a:rPr>
+              <a:t>flutter_boost</a:t>
+            </a:r>
+            <a:endParaRPr lang="en-US" altLang="zh-CN">
+              <a:sym typeface="+mn-ea"/>
+            </a:endParaRPr>
+          </a:p>
+          <a:p>
+            <a:endParaRPr lang="en-US" altLang="zh-CN">
+              <a:sym typeface="+mn-ea"/>
+            </a:endParaRPr>
+          </a:p>
+          <a:p>
+            <a:r>
+              <a:rPr lang="en-US" altLang="zh-CN">
+                <a:sym typeface="+mn-ea"/>
+              </a:rPr>
+              <a:t>flutter web</a:t>
+            </a:r>
+            <a:endParaRPr lang="en-US" altLang="zh-CN"/>
+          </a:p>
+          <a:p>
+            <a:endParaRPr lang="en-US" altLang="zh-CN"/>
+          </a:p>
+        </p:txBody>
+      </p:sp>
+    </p:spTree>
+  </p:cSld>
+  <p:clrMapOvr>
+    <a:masterClrMapping/>
+  </p:clrMapOvr>
+</p:sld>
+</file>
+
+<file path=ppt/slides/slide12.xml><?xml version="1.0" encoding="utf-8"?>
+<p:sld xmlns:a="http://schemas.openxmlformats.org/drawingml/2006/main" xmlns:r="http://schemas.openxmlformats.org/officeDocument/2006/relationships" xmlns:p="http://schemas.openxmlformats.org/presentationml/2006/main">
+  <p:cSld>
+    <p:spTree>
+      <p:nvGrpSpPr>
+        <p:cNvPr id="1" name=""/>
+        <p:cNvGrpSpPr/>
+        <p:nvPr/>
+      </p:nvGrpSpPr>
+      <p:grpSpPr/>
+      <p:sp>
+        <p:nvSpPr>
+          <p:cNvPr id="2" name="标题 1"/>
+          <p:cNvSpPr>
+            <a:spLocks noGrp="1"/>
+          </p:cNvSpPr>
+          <p:nvPr>
+            <p:ph type="title"/>
+          </p:nvPr>
+        </p:nvSpPr>
+        <p:spPr/>
+        <p:txBody>
+          <a:bodyPr/>
+          <a:p>
+            <a:r>
+              <a:rPr lang="zh-CN" altLang="en-US"/>
+              <a:t>了解和补充</a:t>
+            </a:r>
+            <a:endParaRPr lang="zh-CN" altLang="en-US"/>
+          </a:p>
+        </p:txBody>
+      </p:sp>
+      <p:sp>
+        <p:nvSpPr>
+          <p:cNvPr id="3" name="内容占位符 2"/>
+          <p:cNvSpPr>
+            <a:spLocks noGrp="1"/>
+          </p:cNvSpPr>
+          <p:nvPr>
+            <p:ph idx="1"/>
+          </p:nvPr>
+        </p:nvSpPr>
+        <p:spPr/>
+        <p:txBody>
+          <a:bodyPr/>
+          <a:p>
+            <a:endParaRPr lang="zh-CN" altLang="en-US"/>
+          </a:p>
+        </p:txBody>
+      </p:sp>
+    </p:spTree>
+  </p:cSld>
+  <p:clrMapOvr>
+    <a:masterClrMapping/>
+  </p:clrMapOvr>
+</p:sld>
+</file>
+
+<file path=ppt/slides/slide13.xml><?xml version="1.0" encoding="utf-8"?>
+<p:sld xmlns:a="http://schemas.openxmlformats.org/drawingml/2006/main" xmlns:r="http://schemas.openxmlformats.org/officeDocument/2006/relationships" xmlns:p="http://schemas.openxmlformats.org/presentationml/2006/main">
+  <p:cSld>
+    <p:spTree>
+      <p:nvGrpSpPr>
+        <p:cNvPr id="1" name=""/>
+        <p:cNvGrpSpPr/>
+        <p:nvPr/>
+      </p:nvGrpSpPr>
+      <p:grpSpPr/>
+      <p:sp>
+        <p:nvSpPr>
+          <p:cNvPr id="2" name="标题 1"/>
+          <p:cNvSpPr>
+            <a:spLocks noGrp="1"/>
+          </p:cNvSpPr>
+          <p:nvPr>
+            <p:ph type="title"/>
+          </p:nvPr>
+        </p:nvSpPr>
+        <p:spPr/>
+        <p:txBody>
+          <a:bodyPr/>
+          <a:p>
+            <a:r>
+              <a:rPr lang="zh-CN" altLang="en-US"/>
+              <a:t>相关资源</a:t>
+            </a:r>
+            <a:endParaRPr lang="zh-CN" altLang="en-US"/>
+          </a:p>
+        </p:txBody>
+      </p:sp>
+      <p:sp>
+        <p:nvSpPr>
+          <p:cNvPr id="3" name="内容占位符 2"/>
+          <p:cNvSpPr>
+            <a:spLocks noGrp="1"/>
+          </p:cNvSpPr>
+          <p:nvPr>
+            <p:ph idx="1"/>
+          </p:nvPr>
+        </p:nvSpPr>
+        <p:spPr/>
+        <p:txBody>
+          <a:bodyPr/>
+          <a:p>
+            <a:r>
+              <a:rPr lang="zh-CN" altLang="en-US"/>
+              <a:t>https://flutter-io.cn/</a:t>
+            </a:r>
+            <a:endParaRPr lang="zh-CN" altLang="en-US"/>
+          </a:p>
+          <a:p>
+            <a:endParaRPr lang="zh-CN" altLang="en-US"/>
+          </a:p>
+        </p:txBody>
+      </p:sp>
+    </p:spTree>
+  </p:cSld>
+  <p:clrMapOvr>
+    <a:masterClrMapping/>
+  </p:clrMapOvr>
+</p:sld>
+</file>
+
 <file path=ppt/slides/slide2.xml><?xml version="1.0" encoding="utf-8"?>
 <p:sld xmlns:a="http://schemas.openxmlformats.org/drawingml/2006/main" xmlns:r="http://schemas.openxmlformats.org/officeDocument/2006/relationships" xmlns:p="http://schemas.openxmlformats.org/presentationml/2006/main">
   <p:cSld>
@@ -3214,31 +3539,13 @@
             </a:r>
             <a:r>
               <a:rPr lang="en-US" altLang="zh-CN"/>
-              <a:t>-</a:t>
-            </a:r>
-            <a:r>
-              <a:rPr lang="zh-CN" altLang="en-US"/>
-              <a:t>一套代码，多平台部署</a:t>
-            </a:r>
-            <a:r>
-              <a:rPr lang="zh-CN" altLang="en-US"/>
-              <a:t> </a:t>
-            </a:r>
-            <a:endParaRPr lang="zh-CN" altLang="en-US"/>
-          </a:p>
-          <a:p>
-            <a:r>
-              <a:rPr lang="zh-CN" altLang="en-US"/>
-              <a:t>Flutter is Google’s portable UI toolkit for building beautiful, natively-compiled applications for mobile, web, and desktop from a single codebase.</a:t>
-            </a:r>
-            <a:endParaRPr lang="zh-CN" altLang="en-US"/>
-          </a:p>
-          <a:p>
+              <a:t>f</a:t>
+            </a:r>
             <a:r>
               <a:rPr lang="zh-CN" altLang="en-US">
                 <a:sym typeface="+mn-ea"/>
               </a:rPr>
-              <a:t>Fuchsia、</a:t>
+              <a:t>uchsia、</a:t>
             </a:r>
             <a:r>
               <a:rPr lang="en-US" altLang="zh-CN">
@@ -3282,6 +3589,17 @@
               </a:rPr>
               <a:t>embedded</a:t>
             </a:r>
+            <a:r>
+              <a:rPr lang="en-US" altLang="zh-CN"/>
+              <a:t>-</a:t>
+            </a:r>
+            <a:r>
+              <a:rPr lang="zh-CN" altLang="en-US"/>
+              <a:t>一套代码，多平台部署 </a:t>
+            </a:r>
+            <a:endParaRPr lang="zh-CN" altLang="en-US"/>
+          </a:p>
+          <a:p>
             <a:endParaRPr lang="en-US" altLang="zh-CN"/>
           </a:p>
           <a:p>
@@ -3325,16 +3643,115 @@
           <a:bodyPr/>
           <a:p>
             <a:r>
+              <a:rPr lang="en-US" altLang="zh-CN"/>
+              <a:t>Why Flutter</a:t>
+            </a:r>
+            <a:endParaRPr lang="en-US" altLang="zh-CN"/>
+          </a:p>
+        </p:txBody>
+      </p:sp>
+      <p:sp>
+        <p:nvSpPr>
+          <p:cNvPr id="3" name="内容占位符 2"/>
+          <p:cNvSpPr>
+            <a:spLocks noGrp="1"/>
+          </p:cNvSpPr>
+          <p:nvPr>
+            <p:ph idx="1"/>
+          </p:nvPr>
+        </p:nvSpPr>
+        <p:spPr/>
+        <p:txBody>
+          <a:bodyPr/>
+          <a:p>
+            <a:r>
               <a:rPr lang="zh-CN" altLang="en-US"/>
-              <a:t>市面</a:t>
+              <a:t>漂亮的</a:t>
+            </a:r>
+            <a:r>
+              <a:rPr lang="en-US" altLang="zh-CN"/>
+              <a:t>UI</a:t>
             </a:r>
             <a:r>
               <a:rPr lang="zh-CN" altLang="en-US"/>
-              <a:t>跨平台方案</a:t>
+              <a:t>（</a:t>
             </a:r>
             <a:r>
               <a:rPr lang="zh-CN" altLang="en-US"/>
-              <a:t>比较</a:t>
+              <a:t>丰富的</a:t>
+            </a:r>
+            <a:r>
+              <a:rPr lang="en-US" altLang="zh-CN"/>
+              <a:t>widget</a:t>
+            </a:r>
+            <a:r>
+              <a:rPr lang="zh-CN" altLang="en-US"/>
+              <a:t>，开箱即用）</a:t>
+            </a:r>
+            <a:endParaRPr lang="zh-CN" altLang="en-US"/>
+          </a:p>
+          <a:p>
+            <a:r>
+              <a:rPr lang="zh-CN" altLang="en-US"/>
+              <a:t>平滑的动画和接近原生的性能</a:t>
+            </a:r>
+            <a:endParaRPr lang="zh-CN" altLang="en-US"/>
+          </a:p>
+          <a:p>
+            <a:r>
+              <a:rPr lang="en-US" altLang="zh-CN"/>
+              <a:t>last but not least </a:t>
+            </a:r>
+            <a:r>
+              <a:rPr lang="zh-CN" altLang="en-US"/>
+              <a:t>跨平台</a:t>
+            </a:r>
+            <a:endParaRPr lang="zh-CN" altLang="en-US"/>
+          </a:p>
+          <a:p>
+            <a:r>
+              <a:rPr lang="zh-CN" altLang="en-US"/>
+              <a:t>快速迭代</a:t>
+            </a:r>
+            <a:endParaRPr lang="zh-CN" altLang="en-US"/>
+          </a:p>
+        </p:txBody>
+      </p:sp>
+    </p:spTree>
+  </p:cSld>
+  <p:clrMapOvr>
+    <a:masterClrMapping/>
+  </p:clrMapOvr>
+</p:sld>
+</file>
+
+<file path=ppt/slides/slide4.xml><?xml version="1.0" encoding="utf-8"?>
+<p:sld xmlns:a="http://schemas.openxmlformats.org/drawingml/2006/main" xmlns:r="http://schemas.openxmlformats.org/officeDocument/2006/relationships" xmlns:p="http://schemas.openxmlformats.org/presentationml/2006/main">
+  <p:cSld>
+    <p:spTree>
+      <p:nvGrpSpPr>
+        <p:cNvPr id="1" name=""/>
+        <p:cNvGrpSpPr/>
+        <p:nvPr/>
+      </p:nvGrpSpPr>
+      <p:grpSpPr/>
+      <p:sp>
+        <p:nvSpPr>
+          <p:cNvPr id="2" name="标题 1"/>
+          <p:cNvSpPr>
+            <a:spLocks noGrp="1"/>
+          </p:cNvSpPr>
+          <p:nvPr>
+            <p:ph type="title"/>
+          </p:nvPr>
+        </p:nvSpPr>
+        <p:spPr/>
+        <p:txBody>
+          <a:bodyPr/>
+          <a:p>
+            <a:r>
+              <a:rPr lang="zh-CN" altLang="en-US"/>
+              <a:t>市面跨平台方案比较</a:t>
             </a:r>
             <a:endParaRPr lang="zh-CN" altLang="en-US"/>
           </a:p>
@@ -3350,7 +3767,7 @@
         </p:nvGraphicFramePr>
         <p:xfrm>
           <a:off x="838200" y="1825625"/>
-          <a:ext cx="10515600" cy="4770120"/>
+          <a:ext cx="10515600" cy="3185160"/>
         </p:xfrm>
         <a:graphic>
           <a:graphicData uri="http://schemas.openxmlformats.org/drawingml/2006/table">
@@ -3404,11 +3821,7 @@
                       </a:pPr>
                       <a:r>
                         <a:rPr lang="en-US" altLang="zh-CN"/>
-                        <a:t>reac</a:t>
-                      </a:r>
-                      <a:r>
-                        <a:rPr lang="en-US" altLang="zh-CN"/>
-                        <a:t>t native </a:t>
+                        <a:t>react native </a:t>
                       </a:r>
                       <a:endParaRPr lang="en-US" altLang="zh-CN"/>
                     </a:p>
@@ -3604,11 +4017,7 @@
                       </a:pPr>
                       <a:r>
                         <a:rPr lang="en-US" altLang="zh-CN"/>
-                        <a:t>react</a:t>
-                      </a:r>
-                      <a:r>
-                        <a:rPr lang="en-US" altLang="zh-CN"/>
-                        <a:t>js</a:t>
+                        <a:t>reactjs</a:t>
                       </a:r>
                       <a:endParaRPr lang="en-US" altLang="zh-CN"/>
                     </a:p>
@@ -3642,13 +4051,7 @@
                         <a:rPr lang="en-US" altLang="zh-CN" sz="1800">
                           <a:sym typeface="+mn-ea"/>
                         </a:rPr>
-                        <a:t>vue</a:t>
-                      </a:r>
-                      <a:r>
-                        <a:rPr lang="en-US" altLang="zh-CN" sz="1800">
-                          <a:sym typeface="+mn-ea"/>
-                        </a:rPr>
-                        <a:t>js</a:t>
+                        <a:t>vuejs</a:t>
                       </a:r>
                       <a:endParaRPr lang="en-US" altLang="zh-CN" sz="1800">
                         <a:sym typeface="+mn-ea"/>
@@ -3700,11 +4103,7 @@
                       </a:pPr>
                       <a:r>
                         <a:rPr lang="en-US" altLang="zh-CN"/>
-                        <a:t>nearly </a:t>
-                      </a:r>
-                      <a:r>
-                        <a:rPr lang="en-US" altLang="zh-CN"/>
-                        <a:t>native</a:t>
+                        <a:t>nearly native</a:t>
                       </a:r>
                       <a:endParaRPr lang="en-US" altLang="zh-CN"/>
                     </a:p>
@@ -3720,11 +4119,7 @@
                       </a:pPr>
                       <a:r>
                         <a:rPr lang="en-US" altLang="zh-CN"/>
-                        <a:t>js</a:t>
-                      </a:r>
-                      <a:r>
-                        <a:rPr lang="en-US" altLang="zh-CN"/>
-                        <a:t>core bridge</a:t>
+                        <a:t>jscore bridge</a:t>
                       </a:r>
                       <a:endParaRPr lang="en-US" altLang="zh-CN"/>
                     </a:p>
@@ -3760,13 +4155,7 @@
                         <a:rPr lang="en-US" altLang="zh-CN" sz="1800">
                           <a:sym typeface="+mn-ea"/>
                         </a:rPr>
-                        <a:t>js</a:t>
-                      </a:r>
-                      <a:r>
-                        <a:rPr lang="en-US" altLang="zh-CN" sz="1800">
-                          <a:sym typeface="+mn-ea"/>
-                        </a:rPr>
-                        <a:t> V8 bridge</a:t>
+                        <a:t>js V8 bridge</a:t>
                       </a:r>
                       <a:endParaRPr lang="en-US" altLang="zh-CN" sz="1800">
                         <a:sym typeface="+mn-ea"/>
@@ -3832,6 +4221,92 @@
                       <a:pPr>
                         <a:buNone/>
                       </a:pPr>
+                      <a:endParaRPr lang="zh-CN" altLang="en-US"/>
+                    </a:p>
+                  </a:txBody>
+                  <a:tcPr/>
+                </a:tc>
+                <a:tc>
+                  <a:txBody>
+                    <a:bodyPr/>
+                    <a:p>
+                      <a:pPr>
+                        <a:buNone/>
+                      </a:pPr>
+                      <a:endParaRPr lang="zh-CN" altLang="en-US"/>
+                    </a:p>
+                  </a:txBody>
+                  <a:tcPr/>
+                </a:tc>
+                <a:tc>
+                  <a:txBody>
+                    <a:bodyPr/>
+                    <a:p>
+                      <a:pPr>
+                        <a:buNone/>
+                      </a:pPr>
+                      <a:endParaRPr lang="zh-CN" altLang="en-US"/>
+                    </a:p>
+                  </a:txBody>
+                  <a:tcPr/>
+                </a:tc>
+                <a:tc>
+                  <a:txBody>
+                    <a:bodyPr/>
+                    <a:p>
+                      <a:pPr>
+                        <a:buNone/>
+                      </a:pPr>
+                      <a:endParaRPr lang="zh-CN" altLang="en-US"/>
+                    </a:p>
+                  </a:txBody>
+                  <a:tcPr/>
+                </a:tc>
+              </a:tr>
+              <a:tr h="381000">
+                <a:tc>
+                  <a:txBody>
+                    <a:bodyPr/>
+                    <a:p>
+                      <a:pPr>
+                        <a:buNone/>
+                      </a:pPr>
+                      <a:r>
+                        <a:rPr lang="zh-CN" altLang="en-US"/>
+                        <a:t>包</a:t>
+                      </a:r>
+                      <a:endParaRPr lang="zh-CN" altLang="en-US"/>
+                    </a:p>
+                  </a:txBody>
+                  <a:tcPr/>
+                </a:tc>
+                <a:tc>
+                  <a:txBody>
+                    <a:bodyPr/>
+                    <a:p>
+                      <a:pPr>
+                        <a:buNone/>
+                      </a:pPr>
+                      <a:r>
+                        <a:rPr lang="zh-CN" altLang="en-US"/>
+                        <a:t>起步</a:t>
+                      </a:r>
+                      <a:endParaRPr lang="zh-CN" altLang="en-US"/>
+                    </a:p>
+                  </a:txBody>
+                  <a:tcPr/>
+                </a:tc>
+                <a:tc>
+                  <a:txBody>
+                    <a:bodyPr/>
+                    <a:p>
+                      <a:pPr>
+                        <a:buNone/>
+                      </a:pPr>
+                      <a:r>
+                        <a:rPr lang="zh-CN" altLang="en-US"/>
+                        <a:t>可以</a:t>
+                      </a:r>
                       <a:endParaRPr lang="zh-CN" altLang="en-US"/>
                     </a:p>
                   </a:txBody>
@@ -3992,68 +4467,6 @@
 </p:sld>
 </file>
 
-<file path=ppt/slides/slide4.xml><?xml version="1.0" encoding="utf-8"?>
-<p:sld xmlns:a="http://schemas.openxmlformats.org/drawingml/2006/main" xmlns:r="http://schemas.openxmlformats.org/officeDocument/2006/relationships" xmlns:p="http://schemas.openxmlformats.org/presentationml/2006/main">
-  <p:cSld>
-    <p:spTree>
-      <p:nvGrpSpPr>
-        <p:cNvPr id="1" name=""/>
-        <p:cNvGrpSpPr/>
-        <p:nvPr/>
-      </p:nvGrpSpPr>
-      <p:grpSpPr/>
-      <p:sp>
-        <p:nvSpPr>
-          <p:cNvPr id="2" name="标题 1"/>
-          <p:cNvSpPr>
-            <a:spLocks noGrp="1"/>
-          </p:cNvSpPr>
-          <p:nvPr>
-            <p:ph type="title"/>
-          </p:nvPr>
-        </p:nvSpPr>
-        <p:spPr/>
-        <p:txBody>
-          <a:bodyPr/>
-          <a:p>
-            <a:r>
-              <a:rPr lang="zh-CN" altLang="en-US"/>
-              <a:t>拓展</a:t>
-            </a:r>
-            <a:endParaRPr lang="zh-CN" altLang="en-US"/>
-          </a:p>
-        </p:txBody>
-      </p:sp>
-      <p:sp>
-        <p:nvSpPr>
-          <p:cNvPr id="3" name="内容占位符 2"/>
-          <p:cNvSpPr>
-            <a:spLocks noGrp="1"/>
-          </p:cNvSpPr>
-          <p:nvPr>
-            <p:ph idx="1"/>
-          </p:nvPr>
-        </p:nvSpPr>
-        <p:spPr/>
-        <p:txBody>
-          <a:bodyPr/>
-          <a:p>
-            <a:r>
-              <a:rPr lang="zh-CN" altLang="en-US"/>
-              <a:t>混合开发</a:t>
-            </a:r>
-            <a:endParaRPr lang="zh-CN" altLang="en-US"/>
-          </a:p>
-        </p:txBody>
-      </p:sp>
-    </p:spTree>
-  </p:cSld>
-  <p:clrMapOvr>
-    <a:masterClrMapping/>
-  </p:clrMapOvr>
-</p:sld>
-</file>
-
 <file path=ppt/slides/slide5.xml><?xml version="1.0" encoding="utf-8"?>
 <p:sld xmlns:a="http://schemas.openxmlformats.org/drawingml/2006/main" xmlns:r="http://schemas.openxmlformats.org/officeDocument/2006/relationships" xmlns:p="http://schemas.openxmlformats.org/presentationml/2006/main">
   <p:cSld>
@@ -4078,9 +4491,258 @@
         <p:txBody>
           <a:bodyPr/>
           <a:p>
+            <a:endParaRPr lang="zh-CN" altLang="en-US"/>
+          </a:p>
+        </p:txBody>
+      </p:sp>
+      <p:pic>
+        <p:nvPicPr>
+          <p:cNvPr id="4" name="内容占位符 3" descr="How-Flutter-interacts-with-native-components-1"/>
+          <p:cNvPicPr>
+            <a:picLocks noChangeAspect="1"/>
+          </p:cNvPicPr>
+          <p:nvPr>
+            <p:ph idx="1"/>
+          </p:nvPr>
+        </p:nvPicPr>
+        <p:blipFill>
+          <a:blip r:embed="rId1"/>
+          <a:stretch>
+            <a:fillRect/>
+          </a:stretch>
+        </p:blipFill>
+        <p:spPr>
+          <a:xfrm>
+            <a:off x="2607310" y="1825625"/>
+            <a:ext cx="6976110" cy="4351655"/>
+          </a:xfrm>
+          <a:prstGeom prst="rect">
+            <a:avLst/>
+          </a:prstGeom>
+        </p:spPr>
+      </p:pic>
+    </p:spTree>
+  </p:cSld>
+  <p:clrMapOvr>
+    <a:masterClrMapping/>
+  </p:clrMapOvr>
+</p:sld>
+</file>
+
+<file path=ppt/slides/slide6.xml><?xml version="1.0" encoding="utf-8"?>
+<p:sld xmlns:a="http://schemas.openxmlformats.org/drawingml/2006/main" xmlns:r="http://schemas.openxmlformats.org/officeDocument/2006/relationships" xmlns:p="http://schemas.openxmlformats.org/presentationml/2006/main">
+  <p:cSld>
+    <p:spTree>
+      <p:nvGrpSpPr>
+        <p:cNvPr id="1" name=""/>
+        <p:cNvGrpSpPr/>
+        <p:nvPr/>
+      </p:nvGrpSpPr>
+      <p:grpSpPr/>
+      <p:sp>
+        <p:nvSpPr>
+          <p:cNvPr id="2" name="标题 1"/>
+          <p:cNvSpPr>
+            <a:spLocks noGrp="1"/>
+          </p:cNvSpPr>
+          <p:nvPr>
+            <p:ph type="title"/>
+          </p:nvPr>
+        </p:nvSpPr>
+        <p:spPr/>
+        <p:txBody>
+          <a:bodyPr/>
+          <a:p>
+            <a:endParaRPr lang="zh-CN" altLang="en-US"/>
+          </a:p>
+        </p:txBody>
+      </p:sp>
+      <p:pic>
+        <p:nvPicPr>
+          <p:cNvPr id="4" name="内容占位符 3" descr="How-React-Native-interacts-with-native-components-1"/>
+          <p:cNvPicPr>
+            <a:picLocks noChangeAspect="1"/>
+          </p:cNvPicPr>
+          <p:nvPr>
+            <p:ph idx="1"/>
+          </p:nvPr>
+        </p:nvPicPr>
+        <p:blipFill>
+          <a:blip r:embed="rId1"/>
+          <a:stretch>
+            <a:fillRect/>
+          </a:stretch>
+        </p:blipFill>
+        <p:spPr>
+          <a:xfrm>
+            <a:off x="2607310" y="1825625"/>
+            <a:ext cx="6976110" cy="4351655"/>
+          </a:xfrm>
+          <a:prstGeom prst="rect">
+            <a:avLst/>
+          </a:prstGeom>
+        </p:spPr>
+      </p:pic>
+    </p:spTree>
+  </p:cSld>
+  <p:clrMapOvr>
+    <a:masterClrMapping/>
+  </p:clrMapOvr>
+</p:sld>
+</file>
+
+<file path=ppt/slides/slide7.xml><?xml version="1.0" encoding="utf-8"?>
+<p:sld xmlns:a="http://schemas.openxmlformats.org/drawingml/2006/main" xmlns:r="http://schemas.openxmlformats.org/officeDocument/2006/relationships" xmlns:p="http://schemas.openxmlformats.org/presentationml/2006/main">
+  <p:cSld>
+    <p:spTree>
+      <p:nvGrpSpPr>
+        <p:cNvPr id="1" name=""/>
+        <p:cNvGrpSpPr/>
+        <p:nvPr/>
+      </p:nvGrpSpPr>
+      <p:grpSpPr/>
+      <p:sp>
+        <p:nvSpPr>
+          <p:cNvPr id="2" name="标题 1"/>
+          <p:cNvSpPr>
+            <a:spLocks noGrp="1"/>
+          </p:cNvSpPr>
+          <p:nvPr>
+            <p:ph type="title"/>
+          </p:nvPr>
+        </p:nvSpPr>
+        <p:spPr/>
+        <p:txBody>
+          <a:bodyPr/>
+          <a:p>
+            <a:r>
+              <a:rPr lang="en-US" altLang="zh-CN"/>
+              <a:t>Dart</a:t>
+            </a:r>
+            <a:endParaRPr lang="en-US" altLang="zh-CN"/>
+          </a:p>
+        </p:txBody>
+      </p:sp>
+      <p:sp>
+        <p:nvSpPr>
+          <p:cNvPr id="3" name="内容占位符 2"/>
+          <p:cNvSpPr>
+            <a:spLocks noGrp="1"/>
+          </p:cNvSpPr>
+          <p:nvPr>
+            <p:ph idx="1"/>
+          </p:nvPr>
+        </p:nvSpPr>
+        <p:spPr/>
+        <p:txBody>
+          <a:bodyPr/>
+          <a:p>
+            <a:r>
+              <a:rPr lang="en-US" altLang="zh-CN"/>
+              <a:t>why dart</a:t>
+            </a:r>
+            <a:endParaRPr lang="en-US" altLang="zh-CN"/>
+          </a:p>
+          <a:p>
+            <a:r>
+              <a:rPr lang="en-US" altLang="zh-CN"/>
+              <a:t>dart</a:t>
+            </a:r>
             <a:r>
               <a:rPr lang="zh-CN" altLang="en-US"/>
-              <a:t>混合开发</a:t>
+              <a:t>和</a:t>
+            </a:r>
+            <a:r>
+              <a:rPr lang="en-US" altLang="zh-CN"/>
+              <a:t>kotlin</a:t>
+            </a:r>
+            <a:r>
+              <a:rPr lang="zh-CN" altLang="en-US"/>
+              <a:t>混合开发有优势</a:t>
+            </a:r>
+            <a:endParaRPr lang="zh-CN" altLang="en-US"/>
+          </a:p>
+          <a:p>
+            <a:endParaRPr lang="zh-CN" altLang="en-US"/>
+          </a:p>
+          <a:p>
+            <a:r>
+              <a:rPr lang="zh-CN" altLang="en-US"/>
+              <a:t>强类型但支持</a:t>
+            </a:r>
+            <a:r>
+              <a:rPr lang="en-US" altLang="zh-CN"/>
+              <a:t>var</a:t>
+            </a:r>
+            <a:r>
+              <a:rPr lang="zh-CN" altLang="en-US"/>
+              <a:t>和</a:t>
+            </a:r>
+            <a:r>
+              <a:rPr lang="en-US" altLang="zh-CN"/>
+              <a:t>dynamic</a:t>
+            </a:r>
+            <a:endParaRPr lang="en-US" altLang="zh-CN"/>
+          </a:p>
+          <a:p>
+            <a:r>
+              <a:rPr lang="zh-CN" altLang="en-US"/>
+              <a:t>支持</a:t>
+            </a:r>
+            <a:r>
+              <a:rPr lang="en-US" altLang="zh-CN"/>
+              <a:t>async/await</a:t>
+            </a:r>
+            <a:endParaRPr lang="en-US" altLang="zh-CN"/>
+          </a:p>
+          <a:p>
+            <a:r>
+              <a:rPr lang="zh-CN" altLang="en-US"/>
+              <a:t>异步</a:t>
+            </a:r>
+            <a:endParaRPr lang="zh-CN" altLang="en-US"/>
+          </a:p>
+        </p:txBody>
+      </p:sp>
+    </p:spTree>
+  </p:cSld>
+  <p:clrMapOvr>
+    <a:masterClrMapping/>
+  </p:clrMapOvr>
+</p:sld>
+</file>
+
+<file path=ppt/slides/slide8.xml><?xml version="1.0" encoding="utf-8"?>
+<p:sld xmlns:a="http://schemas.openxmlformats.org/drawingml/2006/main" xmlns:r="http://schemas.openxmlformats.org/officeDocument/2006/relationships" xmlns:p="http://schemas.openxmlformats.org/presentationml/2006/main">
+  <p:cSld>
+    <p:spTree>
+      <p:nvGrpSpPr>
+        <p:cNvPr id="1" name=""/>
+        <p:cNvGrpSpPr/>
+        <p:nvPr/>
+      </p:nvGrpSpPr>
+      <p:grpSpPr/>
+      <p:sp>
+        <p:nvSpPr>
+          <p:cNvPr id="2" name="标题 1"/>
+          <p:cNvSpPr>
+            <a:spLocks noGrp="1"/>
+          </p:cNvSpPr>
+          <p:nvPr>
+            <p:ph type="title"/>
+          </p:nvPr>
+        </p:nvSpPr>
+        <p:spPr/>
+        <p:txBody>
+          <a:bodyPr/>
+          <a:p>
+            <a:r>
+              <a:rPr lang="en-US" altLang="zh-CN"/>
+              <a:t>flutter</a:t>
+            </a:r>
+            <a:r>
+              <a:rPr lang="zh-CN" altLang="en-US"/>
+              <a:t>项目结构</a:t>
             </a:r>
             <a:endParaRPr lang="zh-CN" altLang="en-US"/>
           </a:p>
@@ -4101,10 +4763,72 @@
           <a:bodyPr/>
           <a:p>
             <a:r>
+              <a:rPr lang="zh-CN" altLang="en-US"/>
+              <a:t>其中ios为iOS部分代码，使用CocoaPods管理依赖，android为Android部分代码，使用Gradle管理依赖，lib为dart代码，使用pub管理依赖。类似iOS中Cocoapods的Podfile和Podfile.lock，pub下对应的是pubspec.yaml和pubspec.lock。</a:t>
+            </a:r>
+            <a:endParaRPr lang="zh-CN" altLang="en-US"/>
+          </a:p>
+        </p:txBody>
+      </p:sp>
+    </p:spTree>
+  </p:cSld>
+  <p:clrMapOvr>
+    <a:masterClrMapping/>
+  </p:clrMapOvr>
+</p:sld>
+</file>
+
+<file path=ppt/slides/slide9.xml><?xml version="1.0" encoding="utf-8"?>
+<p:sld xmlns:a="http://schemas.openxmlformats.org/drawingml/2006/main" xmlns:r="http://schemas.openxmlformats.org/officeDocument/2006/relationships" xmlns:p="http://schemas.openxmlformats.org/presentationml/2006/main">
+  <p:cSld>
+    <p:spTree>
+      <p:nvGrpSpPr>
+        <p:cNvPr id="1" name=""/>
+        <p:cNvGrpSpPr/>
+        <p:nvPr/>
+      </p:nvGrpSpPr>
+      <p:grpSpPr/>
+      <p:sp>
+        <p:nvSpPr>
+          <p:cNvPr id="2" name="标题 1"/>
+          <p:cNvSpPr>
+            <a:spLocks noGrp="1"/>
+          </p:cNvSpPr>
+          <p:nvPr>
+            <p:ph type="title"/>
+          </p:nvPr>
+        </p:nvSpPr>
+        <p:spPr/>
+        <p:txBody>
+          <a:bodyPr/>
+          <a:p>
+            <a:r>
               <a:rPr lang="en-US" altLang="zh-CN"/>
-              <a:t>flutter_boost</a:t>
-            </a:r>
-            <a:endParaRPr lang="en-US" altLang="zh-CN"/>
+              <a:t>flutter</a:t>
+            </a:r>
+            <a:r>
+              <a:rPr lang="zh-CN" altLang="en-US"/>
+              <a:t>项目结构</a:t>
+            </a:r>
+            <a:endParaRPr lang="zh-CN" altLang="en-US"/>
+          </a:p>
+        </p:txBody>
+      </p:sp>
+      <p:sp>
+        <p:nvSpPr>
+          <p:cNvPr id="3" name="内容占位符 2"/>
+          <p:cNvSpPr>
+            <a:spLocks noGrp="1"/>
+          </p:cNvSpPr>
+          <p:nvPr>
+            <p:ph idx="1"/>
+          </p:nvPr>
+        </p:nvSpPr>
+        <p:spPr/>
+        <p:txBody>
+          <a:bodyPr/>
+          <a:p>
+            <a:endParaRPr lang="zh-CN" altLang="en-US"/>
           </a:p>
         </p:txBody>
       </p:sp>

--- a/assets/misc/flutter.pptx
+++ b/assets/misc/flutter.pptx
@@ -3378,6 +3378,31 @@
         <p:txBody>
           <a:bodyPr/>
           <a:p>
+            <a:r>
+              <a:rPr lang="zh-CN" altLang="en-US"/>
+              <a:t>多加点媒体</a:t>
+            </a:r>
+            <a:r>
+              <a:rPr lang="zh-CN" altLang="en-US"/>
+              <a:t>素材</a:t>
+            </a:r>
+            <a:endParaRPr lang="zh-CN" altLang="en-US"/>
+          </a:p>
+          <a:p>
+            <a:r>
+              <a:rPr lang="zh-CN" altLang="en-US"/>
+              <a:t>偷点闲鱼技术</a:t>
+            </a:r>
+            <a:r>
+              <a:rPr lang="zh-CN" altLang="en-US"/>
+              <a:t>分享的图</a:t>
+            </a:r>
+            <a:endParaRPr lang="zh-CN" altLang="en-US"/>
+          </a:p>
+          <a:p>
+            <a:endParaRPr lang="zh-CN" altLang="en-US"/>
+          </a:p>
+          <a:p>
             <a:endParaRPr lang="zh-CN" altLang="en-US"/>
           </a:p>
         </p:txBody>
@@ -3443,7 +3468,11 @@
             <a:endParaRPr lang="zh-CN" altLang="en-US"/>
           </a:p>
           <a:p>
-            <a:endParaRPr lang="zh-CN" altLang="en-US"/>
+            <a:r>
+              <a:rPr lang="en-US" altLang="zh-CN"/>
+              <a:t>dart.dev</a:t>
+            </a:r>
+            <a:endParaRPr lang="en-US" altLang="zh-CN"/>
           </a:p>
         </p:txBody>
       </p:sp>
@@ -4491,7 +4520,11 @@
         <p:txBody>
           <a:bodyPr/>
           <a:p>
-            <a:endParaRPr lang="zh-CN" altLang="en-US"/>
+            <a:r>
+              <a:rPr lang="en-US" altLang="zh-CN"/>
+              <a:t>Skia</a:t>
+            </a:r>
+            <a:endParaRPr lang="en-US" altLang="zh-CN"/>
           </a:p>
         </p:txBody>
       </p:sp>
